--- a/presentation/assets/hand_drawn.pptx
+++ b/presentation/assets/hand_drawn.pptx
@@ -6,6 +6,7 @@
   </p:sldMasterIdLst>
   <p:sldIdLst>
     <p:sldId id="256" r:id="rId2"/>
+    <p:sldId id="257" r:id="rId3"/>
   </p:sldIdLst>
   <p:sldSz cx="12192000" cy="6858000"/>
   <p:notesSz cx="6858000" cy="9144000"/>
@@ -104,6 +105,11 @@
       </a:defRPr>
     </a:lvl9pPr>
   </p:defaultTextStyle>
+  <p:extLst>
+    <p:ext uri="{EFAFB233-063F-42B5-8137-9DF3F51BA10A}">
+      <p15:sldGuideLst xmlns:p15="http://schemas.microsoft.com/office/powerpoint/2012/main"/>
+    </p:ext>
+  </p:extLst>
 </p:presentation>
 </file>
 
@@ -238,7 +244,7 @@
           <a:p>
             <a:fld id="{61C33227-514A-419F-ACB2-EA0BE863FC92}" type="datetimeFigureOut">
               <a:rPr lang="en-US" smtClean="0"/>
-              <a:t>1/22/2019</a:t>
+              <a:t>1/25/2019</a:t>
             </a:fld>
             <a:endParaRPr lang="en-US"/>
           </a:p>
@@ -408,7 +414,7 @@
           <a:p>
             <a:fld id="{61C33227-514A-419F-ACB2-EA0BE863FC92}" type="datetimeFigureOut">
               <a:rPr lang="en-US" smtClean="0"/>
-              <a:t>1/22/2019</a:t>
+              <a:t>1/25/2019</a:t>
             </a:fld>
             <a:endParaRPr lang="en-US"/>
           </a:p>
@@ -588,7 +594,7 @@
           <a:p>
             <a:fld id="{61C33227-514A-419F-ACB2-EA0BE863FC92}" type="datetimeFigureOut">
               <a:rPr lang="en-US" smtClean="0"/>
-              <a:t>1/22/2019</a:t>
+              <a:t>1/25/2019</a:t>
             </a:fld>
             <a:endParaRPr lang="en-US"/>
           </a:p>
@@ -758,7 +764,7 @@
           <a:p>
             <a:fld id="{61C33227-514A-419F-ACB2-EA0BE863FC92}" type="datetimeFigureOut">
               <a:rPr lang="en-US" smtClean="0"/>
-              <a:t>1/22/2019</a:t>
+              <a:t>1/25/2019</a:t>
             </a:fld>
             <a:endParaRPr lang="en-US"/>
           </a:p>
@@ -1004,7 +1010,7 @@
           <a:p>
             <a:fld id="{61C33227-514A-419F-ACB2-EA0BE863FC92}" type="datetimeFigureOut">
               <a:rPr lang="en-US" smtClean="0"/>
-              <a:t>1/22/2019</a:t>
+              <a:t>1/25/2019</a:t>
             </a:fld>
             <a:endParaRPr lang="en-US"/>
           </a:p>
@@ -1236,7 +1242,7 @@
           <a:p>
             <a:fld id="{61C33227-514A-419F-ACB2-EA0BE863FC92}" type="datetimeFigureOut">
               <a:rPr lang="en-US" smtClean="0"/>
-              <a:t>1/22/2019</a:t>
+              <a:t>1/25/2019</a:t>
             </a:fld>
             <a:endParaRPr lang="en-US"/>
           </a:p>
@@ -1603,7 +1609,7 @@
           <a:p>
             <a:fld id="{61C33227-514A-419F-ACB2-EA0BE863FC92}" type="datetimeFigureOut">
               <a:rPr lang="en-US" smtClean="0"/>
-              <a:t>1/22/2019</a:t>
+              <a:t>1/25/2019</a:t>
             </a:fld>
             <a:endParaRPr lang="en-US"/>
           </a:p>
@@ -1721,7 +1727,7 @@
           <a:p>
             <a:fld id="{61C33227-514A-419F-ACB2-EA0BE863FC92}" type="datetimeFigureOut">
               <a:rPr lang="en-US" smtClean="0"/>
-              <a:t>1/22/2019</a:t>
+              <a:t>1/25/2019</a:t>
             </a:fld>
             <a:endParaRPr lang="en-US"/>
           </a:p>
@@ -1816,7 +1822,7 @@
           <a:p>
             <a:fld id="{61C33227-514A-419F-ACB2-EA0BE863FC92}" type="datetimeFigureOut">
               <a:rPr lang="en-US" smtClean="0"/>
-              <a:t>1/22/2019</a:t>
+              <a:t>1/25/2019</a:t>
             </a:fld>
             <a:endParaRPr lang="en-US"/>
           </a:p>
@@ -2093,7 +2099,7 @@
           <a:p>
             <a:fld id="{61C33227-514A-419F-ACB2-EA0BE863FC92}" type="datetimeFigureOut">
               <a:rPr lang="en-US" smtClean="0"/>
-              <a:t>1/22/2019</a:t>
+              <a:t>1/25/2019</a:t>
             </a:fld>
             <a:endParaRPr lang="en-US"/>
           </a:p>
@@ -2346,7 +2352,7 @@
           <a:p>
             <a:fld id="{61C33227-514A-419F-ACB2-EA0BE863FC92}" type="datetimeFigureOut">
               <a:rPr lang="en-US" smtClean="0"/>
-              <a:t>1/22/2019</a:t>
+              <a:t>1/25/2019</a:t>
             </a:fld>
             <a:endParaRPr lang="en-US"/>
           </a:p>
@@ -2559,7 +2565,7 @@
           <a:p>
             <a:fld id="{61C33227-514A-419F-ACB2-EA0BE863FC92}" type="datetimeFigureOut">
               <a:rPr lang="en-US" smtClean="0"/>
-              <a:t>1/22/2019</a:t>
+              <a:t>1/25/2019</a:t>
             </a:fld>
             <a:endParaRPr lang="en-US"/>
           </a:p>
@@ -3557,6 +3563,605 @@
 </p:sld>
 </file>
 
+<file path=ppt/slides/slide2.xml><?xml version="1.0" encoding="utf-8"?>
+<p:sld xmlns:a="http://schemas.openxmlformats.org/drawingml/2006/main" xmlns:r="http://schemas.openxmlformats.org/officeDocument/2006/relationships" xmlns:p="http://schemas.openxmlformats.org/presentationml/2006/main">
+  <p:cSld>
+    <p:spTree>
+      <p:nvGrpSpPr>
+        <p:cNvPr id="1" name=""/>
+        <p:cNvGrpSpPr/>
+        <p:nvPr/>
+      </p:nvGrpSpPr>
+      <p:grpSpPr>
+        <a:xfrm>
+          <a:off x="0" y="0"/>
+          <a:ext cx="0" cy="0"/>
+          <a:chOff x="0" y="0"/>
+          <a:chExt cx="0" cy="0"/>
+        </a:xfrm>
+      </p:grpSpPr>
+      <p:sp>
+        <p:nvSpPr>
+          <p:cNvPr id="4" name="Rectangle 3"/>
+          <p:cNvSpPr/>
+          <p:nvPr/>
+        </p:nvSpPr>
+        <p:spPr>
+          <a:xfrm>
+            <a:off x="3657599" y="2035629"/>
+            <a:ext cx="2743201" cy="1371600"/>
+          </a:xfrm>
+          <a:prstGeom prst="rect">
+            <a:avLst/>
+          </a:prstGeom>
+        </p:spPr>
+        <p:style>
+          <a:lnRef idx="2">
+            <a:schemeClr val="accent1"/>
+          </a:lnRef>
+          <a:fillRef idx="1">
+            <a:schemeClr val="lt1"/>
+          </a:fillRef>
+          <a:effectRef idx="0">
+            <a:schemeClr val="accent1"/>
+          </a:effectRef>
+          <a:fontRef idx="minor">
+            <a:schemeClr val="dk1"/>
+          </a:fontRef>
+        </p:style>
+        <p:txBody>
+          <a:bodyPr rtlCol="0" anchor="ctr"/>
+          <a:lstStyle/>
+          <a:p>
+            <a:pPr algn="ctr"/>
+            <a:r>
+              <a:rPr lang="en-US" sz="2400" dirty="0" smtClean="0"/>
+              <a:t>Nature or System</a:t>
+            </a:r>
+          </a:p>
+          <a:p>
+            <a:pPr algn="ctr"/>
+            <a:endParaRPr lang="en-US" dirty="0"/>
+          </a:p>
+        </p:txBody>
+      </p:sp>
+      <mc:AlternateContent xmlns:mc="http://schemas.openxmlformats.org/markup-compatibility/2006">
+        <mc:Choice xmlns:a14="http://schemas.microsoft.com/office/drawing/2010/main" Requires="a14">
+          <p:sp>
+            <p:nvSpPr>
+              <p:cNvPr id="5" name="TextBox 4"/>
+              <p:cNvSpPr txBox="1"/>
+              <p:nvPr/>
+            </p:nvSpPr>
+            <p:spPr>
+              <a:xfrm>
+                <a:off x="2013857" y="2259764"/>
+                <a:ext cx="690445" cy="923330"/>
+              </a:xfrm>
+              <a:prstGeom prst="rect">
+                <a:avLst/>
+              </a:prstGeom>
+              <a:noFill/>
+            </p:spPr>
+            <p:txBody>
+              <a:bodyPr wrap="none" lIns="0" tIns="0" rIns="0" bIns="0" rtlCol="0">
+                <a:spAutoFit/>
+              </a:bodyPr>
+              <a:lstStyle/>
+              <a:p>
+                <a14:m>
+                  <m:oMathPara xmlns:m="http://schemas.openxmlformats.org/officeDocument/2006/math">
+                    <m:oMathParaPr>
+                      <m:jc m:val="centerGroup"/>
+                    </m:oMathParaPr>
+                    <m:oMath xmlns:m="http://schemas.openxmlformats.org/officeDocument/2006/math">
+                      <m:r>
+                        <a:rPr lang="en-US" sz="6000" b="0" i="1" smtClean="0">
+                          <a:latin typeface="Cambria Math" panose="02040503050406030204" pitchFamily="18" charset="0"/>
+                        </a:rPr>
+                        <m:t>𝑋</m:t>
+                      </m:r>
+                    </m:oMath>
+                  </m:oMathPara>
+                </a14:m>
+                <a:endParaRPr lang="en-US" sz="6000" dirty="0"/>
+              </a:p>
+            </p:txBody>
+          </p:sp>
+        </mc:Choice>
+        <mc:Fallback>
+          <p:sp>
+            <p:nvSpPr>
+              <p:cNvPr id="5" name="TextBox 4"/>
+              <p:cNvSpPr txBox="1">
+                <a:spLocks noRot="1" noChangeAspect="1" noMove="1" noResize="1" noEditPoints="1" noAdjustHandles="1" noChangeArrowheads="1" noChangeShapeType="1" noTextEdit="1"/>
+              </p:cNvSpPr>
+              <p:nvPr/>
+            </p:nvSpPr>
+            <p:spPr>
+              <a:xfrm>
+                <a:off x="2013857" y="2259764"/>
+                <a:ext cx="690445" cy="923330"/>
+              </a:xfrm>
+              <a:prstGeom prst="rect">
+                <a:avLst/>
+              </a:prstGeom>
+              <a:blipFill rotWithShape="0">
+                <a:blip r:embed="rId2"/>
+                <a:stretch>
+                  <a:fillRect/>
+                </a:stretch>
+              </a:blipFill>
+            </p:spPr>
+            <p:txBody>
+              <a:bodyPr/>
+              <a:lstStyle/>
+              <a:p>
+                <a:r>
+                  <a:rPr lang="en-US">
+                    <a:noFill/>
+                  </a:rPr>
+                  <a:t> </a:t>
+                </a:r>
+              </a:p>
+            </p:txBody>
+          </p:sp>
+        </mc:Fallback>
+      </mc:AlternateContent>
+      <mc:AlternateContent xmlns:mc="http://schemas.openxmlformats.org/markup-compatibility/2006">
+        <mc:Choice xmlns:a14="http://schemas.microsoft.com/office/drawing/2010/main" Requires="a14">
+          <p:sp>
+            <p:nvSpPr>
+              <p:cNvPr id="6" name="TextBox 5"/>
+              <p:cNvSpPr txBox="1"/>
+              <p:nvPr/>
+            </p:nvSpPr>
+            <p:spPr>
+              <a:xfrm>
+                <a:off x="7500257" y="2259764"/>
+                <a:ext cx="656783" cy="923330"/>
+              </a:xfrm>
+              <a:prstGeom prst="rect">
+                <a:avLst/>
+              </a:prstGeom>
+              <a:noFill/>
+            </p:spPr>
+            <p:txBody>
+              <a:bodyPr wrap="none" lIns="0" tIns="0" rIns="0" bIns="0" rtlCol="0">
+                <a:spAutoFit/>
+              </a:bodyPr>
+              <a:lstStyle/>
+              <a:p>
+                <a14:m>
+                  <m:oMathPara xmlns:m="http://schemas.openxmlformats.org/officeDocument/2006/math">
+                    <m:oMathParaPr>
+                      <m:jc m:val="centerGroup"/>
+                    </m:oMathParaPr>
+                    <m:oMath xmlns:m="http://schemas.openxmlformats.org/officeDocument/2006/math">
+                      <m:r>
+                        <a:rPr lang="en-US" sz="6000" b="0" i="1" smtClean="0">
+                          <a:latin typeface="Cambria Math" panose="02040503050406030204" pitchFamily="18" charset="0"/>
+                        </a:rPr>
+                        <m:t>𝑌</m:t>
+                      </m:r>
+                    </m:oMath>
+                  </m:oMathPara>
+                </a14:m>
+                <a:endParaRPr lang="en-US" sz="6000" dirty="0"/>
+              </a:p>
+            </p:txBody>
+          </p:sp>
+        </mc:Choice>
+        <mc:Fallback>
+          <p:sp>
+            <p:nvSpPr>
+              <p:cNvPr id="6" name="TextBox 5"/>
+              <p:cNvSpPr txBox="1">
+                <a:spLocks noRot="1" noChangeAspect="1" noMove="1" noResize="1" noEditPoints="1" noAdjustHandles="1" noChangeArrowheads="1" noChangeShapeType="1" noTextEdit="1"/>
+              </p:cNvSpPr>
+              <p:nvPr/>
+            </p:nvSpPr>
+            <p:spPr>
+              <a:xfrm>
+                <a:off x="7500257" y="2259764"/>
+                <a:ext cx="656783" cy="923330"/>
+              </a:xfrm>
+              <a:prstGeom prst="rect">
+                <a:avLst/>
+              </a:prstGeom>
+              <a:blipFill rotWithShape="0">
+                <a:blip r:embed="rId3"/>
+                <a:stretch>
+                  <a:fillRect/>
+                </a:stretch>
+              </a:blipFill>
+            </p:spPr>
+            <p:txBody>
+              <a:bodyPr/>
+              <a:lstStyle/>
+              <a:p>
+                <a:r>
+                  <a:rPr lang="en-US">
+                    <a:noFill/>
+                  </a:rPr>
+                  <a:t> </a:t>
+                </a:r>
+              </a:p>
+            </p:txBody>
+          </p:sp>
+        </mc:Fallback>
+      </mc:AlternateContent>
+      <p:cxnSp>
+        <p:nvCxnSpPr>
+          <p:cNvPr id="8" name="Straight Arrow Connector 7"/>
+          <p:cNvCxnSpPr>
+            <a:stCxn id="5" idx="3"/>
+            <a:endCxn id="4" idx="1"/>
+          </p:cNvCxnSpPr>
+          <p:nvPr/>
+        </p:nvCxnSpPr>
+        <p:spPr>
+          <a:xfrm>
+            <a:off x="2704302" y="2721429"/>
+            <a:ext cx="953297" cy="0"/>
+          </a:xfrm>
+          <a:prstGeom prst="straightConnector1">
+            <a:avLst/>
+          </a:prstGeom>
+          <a:ln w="57150">
+            <a:tailEnd type="triangle"/>
+          </a:ln>
+        </p:spPr>
+        <p:style>
+          <a:lnRef idx="1">
+            <a:schemeClr val="accent1"/>
+          </a:lnRef>
+          <a:fillRef idx="0">
+            <a:schemeClr val="accent1"/>
+          </a:fillRef>
+          <a:effectRef idx="0">
+            <a:schemeClr val="accent1"/>
+          </a:effectRef>
+          <a:fontRef idx="minor">
+            <a:schemeClr val="tx1"/>
+          </a:fontRef>
+        </p:style>
+      </p:cxnSp>
+      <p:cxnSp>
+        <p:nvCxnSpPr>
+          <p:cNvPr id="9" name="Straight Arrow Connector 8"/>
+          <p:cNvCxnSpPr>
+            <a:stCxn id="4" idx="3"/>
+            <a:endCxn id="6" idx="1"/>
+          </p:cNvCxnSpPr>
+          <p:nvPr/>
+        </p:nvCxnSpPr>
+        <p:spPr>
+          <a:xfrm>
+            <a:off x="6400800" y="2721429"/>
+            <a:ext cx="1099457" cy="0"/>
+          </a:xfrm>
+          <a:prstGeom prst="straightConnector1">
+            <a:avLst/>
+          </a:prstGeom>
+          <a:ln w="57150">
+            <a:tailEnd type="triangle"/>
+          </a:ln>
+        </p:spPr>
+        <p:style>
+          <a:lnRef idx="1">
+            <a:schemeClr val="accent1"/>
+          </a:lnRef>
+          <a:fillRef idx="0">
+            <a:schemeClr val="accent1"/>
+          </a:fillRef>
+          <a:effectRef idx="0">
+            <a:schemeClr val="accent1"/>
+          </a:effectRef>
+          <a:fontRef idx="minor">
+            <a:schemeClr val="tx1"/>
+          </a:fontRef>
+        </p:style>
+      </p:cxnSp>
+      <mc:AlternateContent xmlns:mc="http://schemas.openxmlformats.org/markup-compatibility/2006">
+        <mc:Choice xmlns:a14="http://schemas.microsoft.com/office/drawing/2010/main" Requires="a14">
+          <p:sp>
+            <p:nvSpPr>
+              <p:cNvPr id="12" name="TextBox 11"/>
+              <p:cNvSpPr txBox="1"/>
+              <p:nvPr/>
+            </p:nvSpPr>
+            <p:spPr>
+              <a:xfrm>
+                <a:off x="4615592" y="2836706"/>
+                <a:ext cx="827213" cy="430887"/>
+              </a:xfrm>
+              <a:prstGeom prst="rect">
+                <a:avLst/>
+              </a:prstGeom>
+              <a:noFill/>
+            </p:spPr>
+            <p:txBody>
+              <a:bodyPr wrap="none" lIns="0" tIns="0" rIns="0" bIns="0" rtlCol="0">
+                <a:spAutoFit/>
+              </a:bodyPr>
+              <a:lstStyle/>
+              <a:p>
+                <a14:m>
+                  <m:oMathPara xmlns:m="http://schemas.openxmlformats.org/officeDocument/2006/math">
+                    <m:oMathParaPr>
+                      <m:jc m:val="centerGroup"/>
+                    </m:oMathParaPr>
+                    <m:oMath xmlns:m="http://schemas.openxmlformats.org/officeDocument/2006/math">
+                      <m:r>
+                        <a:rPr lang="en-US" sz="2800" b="0" i="1" smtClean="0">
+                          <a:latin typeface="Cambria Math" panose="02040503050406030204" pitchFamily="18" charset="0"/>
+                        </a:rPr>
+                        <m:t>𝑓</m:t>
+                      </m:r>
+                      <m:r>
+                        <a:rPr lang="en-US" sz="2800" b="0" i="1" smtClean="0">
+                          <a:latin typeface="Cambria Math" panose="02040503050406030204" pitchFamily="18" charset="0"/>
+                        </a:rPr>
+                        <m:t>(</m:t>
+                      </m:r>
+                      <m:r>
+                        <a:rPr lang="en-US" sz="2800" b="0" i="1" smtClean="0">
+                          <a:latin typeface="Cambria Math" panose="02040503050406030204" pitchFamily="18" charset="0"/>
+                        </a:rPr>
+                        <m:t>𝑋</m:t>
+                      </m:r>
+                      <m:r>
+                        <a:rPr lang="en-US" sz="2800" b="0" i="1" smtClean="0">
+                          <a:latin typeface="Cambria Math" panose="02040503050406030204" pitchFamily="18" charset="0"/>
+                        </a:rPr>
+                        <m:t>)</m:t>
+                      </m:r>
+                    </m:oMath>
+                  </m:oMathPara>
+                </a14:m>
+                <a:endParaRPr lang="en-US" sz="2800" dirty="0"/>
+              </a:p>
+            </p:txBody>
+          </p:sp>
+        </mc:Choice>
+        <mc:Fallback>
+          <p:sp>
+            <p:nvSpPr>
+              <p:cNvPr id="12" name="TextBox 11"/>
+              <p:cNvSpPr txBox="1">
+                <a:spLocks noRot="1" noChangeAspect="1" noMove="1" noResize="1" noEditPoints="1" noAdjustHandles="1" noChangeArrowheads="1" noChangeShapeType="1" noTextEdit="1"/>
+              </p:cNvSpPr>
+              <p:nvPr/>
+            </p:nvSpPr>
+            <p:spPr>
+              <a:xfrm>
+                <a:off x="4615592" y="2836706"/>
+                <a:ext cx="827213" cy="430887"/>
+              </a:xfrm>
+              <a:prstGeom prst="rect">
+                <a:avLst/>
+              </a:prstGeom>
+              <a:blipFill rotWithShape="0">
+                <a:blip r:embed="rId4"/>
+                <a:stretch>
+                  <a:fillRect/>
+                </a:stretch>
+              </a:blipFill>
+            </p:spPr>
+            <p:txBody>
+              <a:bodyPr/>
+              <a:lstStyle/>
+              <a:p>
+                <a:r>
+                  <a:rPr lang="en-US">
+                    <a:noFill/>
+                  </a:rPr>
+                  <a:t> </a:t>
+                </a:r>
+              </a:p>
+            </p:txBody>
+          </p:sp>
+        </mc:Fallback>
+      </mc:AlternateContent>
+      <mc:AlternateContent xmlns:mc="http://schemas.openxmlformats.org/markup-compatibility/2006">
+        <mc:Choice xmlns:a14="http://schemas.microsoft.com/office/drawing/2010/main" Requires="a14">
+          <p:sp>
+            <p:nvSpPr>
+              <p:cNvPr id="13" name="TextBox 12"/>
+              <p:cNvSpPr txBox="1"/>
+              <p:nvPr/>
+            </p:nvSpPr>
+            <p:spPr>
+              <a:xfrm>
+                <a:off x="4556504" y="3948170"/>
+                <a:ext cx="945387" cy="520271"/>
+              </a:xfrm>
+              <a:prstGeom prst="rect">
+                <a:avLst/>
+              </a:prstGeom>
+              <a:noFill/>
+            </p:spPr>
+            <p:txBody>
+              <a:bodyPr wrap="none" lIns="0" tIns="0" rIns="0" bIns="0" rtlCol="0">
+                <a:spAutoFit/>
+              </a:bodyPr>
+              <a:lstStyle/>
+              <a:p>
+                <a14:m>
+                  <m:oMathPara xmlns:m="http://schemas.openxmlformats.org/officeDocument/2006/math">
+                    <m:oMathParaPr>
+                      <m:jc m:val="centerGroup"/>
+                    </m:oMathParaPr>
+                    <m:oMath xmlns:m="http://schemas.openxmlformats.org/officeDocument/2006/math">
+                      <m:acc>
+                        <m:accPr>
+                          <m:chr m:val="̂"/>
+                          <m:ctrlPr>
+                            <a:rPr lang="en-US" sz="3200" b="0" i="1" smtClean="0">
+                              <a:latin typeface="Cambria Math" panose="02040503050406030204" pitchFamily="18" charset="0"/>
+                            </a:rPr>
+                          </m:ctrlPr>
+                        </m:accPr>
+                        <m:e>
+                          <m:r>
+                            <a:rPr lang="en-US" sz="3200" b="0" i="1" smtClean="0">
+                              <a:latin typeface="Cambria Math" panose="02040503050406030204" pitchFamily="18" charset="0"/>
+                            </a:rPr>
+                            <m:t>𝑓</m:t>
+                          </m:r>
+                        </m:e>
+                      </m:acc>
+                      <m:r>
+                        <a:rPr lang="en-US" sz="3200" b="0" i="1" smtClean="0">
+                          <a:latin typeface="Cambria Math" panose="02040503050406030204" pitchFamily="18" charset="0"/>
+                        </a:rPr>
+                        <m:t>(</m:t>
+                      </m:r>
+                      <m:r>
+                        <a:rPr lang="en-US" sz="3200" b="0" i="1" smtClean="0">
+                          <a:latin typeface="Cambria Math" panose="02040503050406030204" pitchFamily="18" charset="0"/>
+                        </a:rPr>
+                        <m:t>𝑋</m:t>
+                      </m:r>
+                      <m:r>
+                        <a:rPr lang="en-US" sz="3200" b="0" i="1" smtClean="0">
+                          <a:latin typeface="Cambria Math" panose="02040503050406030204" pitchFamily="18" charset="0"/>
+                        </a:rPr>
+                        <m:t>)</m:t>
+                      </m:r>
+                    </m:oMath>
+                  </m:oMathPara>
+                </a14:m>
+                <a:endParaRPr lang="en-US" sz="3200" dirty="0"/>
+              </a:p>
+            </p:txBody>
+          </p:sp>
+        </mc:Choice>
+        <mc:Fallback>
+          <p:sp>
+            <p:nvSpPr>
+              <p:cNvPr id="13" name="TextBox 12"/>
+              <p:cNvSpPr txBox="1">
+                <a:spLocks noRot="1" noChangeAspect="1" noMove="1" noResize="1" noEditPoints="1" noAdjustHandles="1" noChangeArrowheads="1" noChangeShapeType="1" noTextEdit="1"/>
+              </p:cNvSpPr>
+              <p:nvPr/>
+            </p:nvSpPr>
+            <p:spPr>
+              <a:xfrm>
+                <a:off x="4556504" y="3948170"/>
+                <a:ext cx="945387" cy="520271"/>
+              </a:xfrm>
+              <a:prstGeom prst="rect">
+                <a:avLst/>
+              </a:prstGeom>
+              <a:blipFill rotWithShape="0">
+                <a:blip r:embed="rId5"/>
+                <a:stretch>
+                  <a:fillRect/>
+                </a:stretch>
+              </a:blipFill>
+            </p:spPr>
+            <p:txBody>
+              <a:bodyPr/>
+              <a:lstStyle/>
+              <a:p>
+                <a:r>
+                  <a:rPr lang="en-US">
+                    <a:noFill/>
+                  </a:rPr>
+                  <a:t> </a:t>
+                </a:r>
+              </a:p>
+            </p:txBody>
+          </p:sp>
+        </mc:Fallback>
+      </mc:AlternateContent>
+      <p:cxnSp>
+        <p:nvCxnSpPr>
+          <p:cNvPr id="14" name="Straight Arrow Connector 13"/>
+          <p:cNvCxnSpPr>
+            <a:stCxn id="5" idx="2"/>
+            <a:endCxn id="13" idx="1"/>
+          </p:cNvCxnSpPr>
+          <p:nvPr/>
+        </p:nvCxnSpPr>
+        <p:spPr>
+          <a:xfrm>
+            <a:off x="2359080" y="3183094"/>
+            <a:ext cx="2197424" cy="1025212"/>
+          </a:xfrm>
+          <a:prstGeom prst="straightConnector1">
+            <a:avLst/>
+          </a:prstGeom>
+          <a:ln w="57150">
+            <a:tailEnd type="triangle"/>
+          </a:ln>
+        </p:spPr>
+        <p:style>
+          <a:lnRef idx="1">
+            <a:schemeClr val="accent1"/>
+          </a:lnRef>
+          <a:fillRef idx="0">
+            <a:schemeClr val="accent1"/>
+          </a:fillRef>
+          <a:effectRef idx="0">
+            <a:schemeClr val="accent1"/>
+          </a:effectRef>
+          <a:fontRef idx="minor">
+            <a:schemeClr val="tx1"/>
+          </a:fontRef>
+        </p:style>
+      </p:cxnSp>
+      <p:cxnSp>
+        <p:nvCxnSpPr>
+          <p:cNvPr id="19" name="Straight Arrow Connector 18"/>
+          <p:cNvCxnSpPr>
+            <a:stCxn id="6" idx="2"/>
+            <a:endCxn id="13" idx="3"/>
+          </p:cNvCxnSpPr>
+          <p:nvPr/>
+        </p:nvCxnSpPr>
+        <p:spPr>
+          <a:xfrm flipH="1">
+            <a:off x="5501891" y="3183094"/>
+            <a:ext cx="2326758" cy="1025212"/>
+          </a:xfrm>
+          <a:prstGeom prst="straightConnector1">
+            <a:avLst/>
+          </a:prstGeom>
+          <a:ln w="57150">
+            <a:tailEnd type="triangle"/>
+          </a:ln>
+        </p:spPr>
+        <p:style>
+          <a:lnRef idx="1">
+            <a:schemeClr val="accent1"/>
+          </a:lnRef>
+          <a:fillRef idx="0">
+            <a:schemeClr val="accent1"/>
+          </a:fillRef>
+          <a:effectRef idx="0">
+            <a:schemeClr val="accent1"/>
+          </a:effectRef>
+          <a:fontRef idx="minor">
+            <a:schemeClr val="tx1"/>
+          </a:fontRef>
+        </p:style>
+      </p:cxnSp>
+    </p:spTree>
+    <p:extLst>
+      <p:ext uri="{BB962C8B-B14F-4D97-AF65-F5344CB8AC3E}">
+        <p14:creationId xmlns:p14="http://schemas.microsoft.com/office/powerpoint/2010/main" val="1862998462"/>
+      </p:ext>
+    </p:extLst>
+  </p:cSld>
+  <p:clrMapOvr>
+    <a:masterClrMapping/>
+  </p:clrMapOvr>
+</p:sld>
+</file>
+
 <file path=ppt/theme/theme1.xml><?xml version="1.0" encoding="utf-8"?>
 <a:theme xmlns:a="http://schemas.openxmlformats.org/drawingml/2006/main" name="Office Theme">
   <a:themeElements>
